--- a/slide/コミセン無人化チャート.pptx
+++ b/slide/コミセン無人化チャート.pptx
@@ -3886,7 +3886,7 @@
         <p:grpSpPr>
           <a:xfrm>
             <a:off x="5904000" y="1589570"/>
-            <a:ext cx="1440000" cy="1126956"/>
+            <a:ext cx="1368001" cy="1070608"/>
             <a:chOff x="5447179" y="1779750"/>
             <a:chExt cx="1656000" cy="1296000"/>
           </a:xfrm>
@@ -3949,7 +3949,7 @@
         <p:grpSpPr>
           <a:xfrm>
             <a:off x="5904000" y="627750"/>
-            <a:ext cx="1440000" cy="1087961"/>
+            <a:ext cx="1440000" cy="1033563"/>
             <a:chOff x="3713953" y="432991"/>
             <a:chExt cx="1658456" cy="1269032"/>
           </a:xfrm>
@@ -4012,8 +4012,8 @@
           <p:nvPr/>
         </p:nvGraphicFramePr>
         <p:xfrm>
-          <a:off x="18142" y="19872"/>
-          <a:ext cx="9108000" cy="5091114"/>
+          <a:off x="6236" y="7966"/>
+          <a:ext cx="9125856" cy="5104687"/>
         </p:xfrm>
         <a:graphic>
           <a:graphicData uri="http://schemas.openxmlformats.org/drawingml/2006/table">
@@ -4022,14 +4022,14 @@
                 <a:tableStyleId>{5940675A-B579-460E-94D1-54222C63F5DA}</a:tableStyleId>
               </a:tblPr>
               <a:tblGrid>
-                <a:gridCol w="815578"/>
-                <a:gridCol w="1658484"/>
-                <a:gridCol w="1658484"/>
-                <a:gridCol w="1658484"/>
-                <a:gridCol w="1658484"/>
-                <a:gridCol w="1658484"/>
+                <a:gridCol w="817176"/>
+                <a:gridCol w="1661736"/>
+                <a:gridCol w="1661736"/>
+                <a:gridCol w="1661736"/>
+                <a:gridCol w="1661736"/>
+                <a:gridCol w="1661736"/>
               </a:tblGrid>
-              <a:tr h="367199">
+              <a:tr h="295643">
                 <a:tc>
                   <a:txBody>
                     <a:bodyPr/>
@@ -4065,13 +4065,20 @@
                     <a:p>
                       <a:pPr algn="ctr"/>
                       <a:r>
-                        <a:rPr kumimoji="1" lang="ja-JP" altLang="en-US" sz="1800" dirty="0">
+                        <a:rPr kumimoji="1" lang="ja-JP" altLang="en-US" sz="1200" dirty="0">
                           <a:latin typeface="メイリオ"/>
                           <a:ea typeface="メイリオ"/>
                         </a:rPr>
-                        <a:t>設備保守等</a:t>
+                        <a:t>設備保守</a:t>
                       </a:r>
-                      <a:endParaRPr kumimoji="1" lang="ja-JP" altLang="en-US" sz="1800" dirty="0">
+                      <a:r>
+                        <a:rPr kumimoji="1" lang="ja-JP" altLang="en-US" sz="1200" dirty="0">
+                          <a:latin typeface="メイリオ"/>
+                          <a:ea typeface="メイリオ"/>
+                        </a:rPr>
+                        <a:t>･光熱水費</a:t>
+                      </a:r>
+                      <a:endParaRPr kumimoji="1" lang="ja-JP" altLang="en-US" sz="1200" dirty="0">
                         <a:latin typeface="メイリオ"/>
                         <a:ea typeface="メイリオ"/>
                       </a:endParaRPr>
@@ -4348,7 +4355,28 @@
                           <a:latin typeface="メイリオ"/>
                           <a:ea typeface="メイリオ"/>
                         </a:rPr>
-                        <a:t>無償ボランティア（115万円/年･館を固定支給）</a:t>
+                        <a:t>無償ボランティア（</a:t>
+                      </a:r>
+                      <a:r>
+                        <a:rPr kumimoji="1" lang="ja-JP" altLang="en-US" sz="1800" u="sng" dirty="0">
+                          <a:latin typeface="メイリオ"/>
+                          <a:ea typeface="メイリオ"/>
+                        </a:rPr>
+                        <a:t>㋐</a:t>
+                      </a:r>
+                      <a:r>
+                        <a:rPr kumimoji="1" lang="ja-JP" altLang="en-US" sz="1800" u="sng" dirty="0">
+                          <a:latin typeface="メイリオ"/>
+                          <a:ea typeface="メイリオ"/>
+                        </a:rPr>
+                        <a:t>115万円/年･館</a:t>
+                      </a:r>
+                      <a:r>
+                        <a:rPr kumimoji="1" lang="ja-JP" altLang="en-US" sz="1800" dirty="0">
+                          <a:latin typeface="メイリオ"/>
+                          <a:ea typeface="メイリオ"/>
+                        </a:rPr>
+                        <a:t>を固定支給）</a:t>
                       </a:r>
                       <a:endParaRPr kumimoji="1" lang="ja-JP" altLang="en-US" sz="1800" dirty="0">
                         <a:latin typeface="メイリオ"/>
@@ -4446,6 +4474,7 @@
                     <a:bodyPr/>
                     <a:lstStyle/>
                     <a:p>
+                      <a:pPr algn="ctr"/>
                       <a:endParaRPr kumimoji="1" lang="ja-JP" altLang="en-US" sz="1800" dirty="0">
                         <a:latin typeface="メイリオ"/>
                         <a:ea typeface="メイリオ"/>
@@ -4475,6 +4504,7 @@
                     <a:bodyPr/>
                     <a:lstStyle/>
                     <a:p>
+                      <a:pPr algn="ctr"/>
                       <a:endParaRPr kumimoji="1" lang="ja-JP" altLang="en-US" sz="1800" dirty="0">
                         <a:latin typeface="メイリオ"/>
                         <a:ea typeface="メイリオ"/>
@@ -4507,6 +4537,7 @@
                     <a:bodyPr/>
                     <a:lstStyle/>
                     <a:p>
+                      <a:pPr algn="ctr"/>
                       <a:endParaRPr kumimoji="1" lang="ja-JP" altLang="en-US" sz="1800" dirty="0">
                         <a:latin typeface="メイリオ"/>
                         <a:ea typeface="メイリオ"/>
@@ -4530,6 +4561,7 @@
                     <a:bodyPr/>
                     <a:lstStyle/>
                     <a:p>
+                      <a:pPr algn="ctr"/>
                       <a:endParaRPr kumimoji="1" lang="ja-JP" altLang="en-US" sz="1800" dirty="0">
                         <a:latin typeface="メイリオ"/>
                         <a:ea typeface="メイリオ"/>
@@ -4562,6 +4594,7 @@
                     <a:bodyPr/>
                     <a:lstStyle/>
                     <a:p>
+                      <a:pPr algn="ctr"/>
                       <a:endParaRPr kumimoji="1" lang="ja-JP" altLang="en-US" sz="1800" dirty="0">
                         <a:latin typeface="メイリオ"/>
                         <a:ea typeface="メイリオ"/>
@@ -4581,7 +4614,7 @@
                   </a:tcPr>
                 </a:tc>
               </a:tr>
-              <a:tr h="993598">
+              <a:tr h="913176">
                 <a:tc>
                   <a:txBody>
                     <a:bodyPr/>
@@ -4785,7 +4818,7 @@
                   </a:tcPr>
                 </a:tc>
               </a:tr>
-              <a:tr h="993598">
+              <a:tr h="842313">
                 <a:tc>
                   <a:txBody>
                     <a:bodyPr/>
@@ -4893,7 +4926,7 @@
                           <a:latin typeface="メイリオ"/>
                           <a:ea typeface="メイリオ"/>
                         </a:rPr>
-                        <a:t>システム化</a:t>
+                        <a:t>将来的に廃止</a:t>
                       </a:r>
                       <a:endParaRPr kumimoji="1" lang="ja-JP" altLang="en-US" sz="1800" dirty="0">
                         <a:latin typeface="メイリオ"/>
@@ -4914,7 +4947,7 @@
                           <a:latin typeface="メイリオ"/>
                           <a:ea typeface="メイリオ"/>
                         </a:rPr>
-                        <a:t>システム化</a:t>
+                        <a:t>将来的に廃止</a:t>
                       </a:r>
                       <a:endParaRPr kumimoji="1" lang="ja-JP" altLang="en-US" sz="1800" dirty="0">
                         <a:latin typeface="メイリオ"/>
@@ -5004,13 +5037,13 @@
                     <a:p>
                       <a:pPr algn="ctr"/>
                       <a:r>
-                        <a:rPr kumimoji="1" lang="ja-JP" altLang="en-US" sz="1800" dirty="0">
+                        <a:rPr kumimoji="1" lang="ja-JP" altLang="en-US" sz="1400" u="sng" dirty="0">
                           <a:latin typeface="メイリオ"/>
                           <a:ea typeface="メイリオ"/>
                         </a:rPr>
-                        <a:t>71万円/年･館</a:t>
+                        <a:t>①135万円/年･館</a:t>
                       </a:r>
-                      <a:endParaRPr kumimoji="1" lang="ja-JP" altLang="en-US" sz="1800" dirty="0">
+                      <a:endParaRPr kumimoji="1" lang="ja-JP" altLang="en-US" sz="1400" u="sng" dirty="0">
                         <a:latin typeface="メイリオ"/>
                         <a:ea typeface="メイリオ"/>
                       </a:endParaRPr>
@@ -5041,27 +5074,27 @@
                     <a:p>
                       <a:pPr algn="ctr"/>
                       <a:r>
-                        <a:rPr kumimoji="1" lang="ja-JP" altLang="en-US" sz="1800" dirty="0">
+                        <a:rPr kumimoji="1" lang="ja-JP" altLang="en-US" sz="1600" dirty="0">
                           <a:latin typeface="メイリオ"/>
                           <a:ea typeface="メイリオ"/>
                         </a:rPr>
-                        <a:t>35万円/年</a:t>
+                        <a:t>②35万円/年</a:t>
                       </a:r>
                       <a:r>
-                        <a:rPr kumimoji="1" lang="ja-JP" altLang="en-US" sz="1800" dirty="0">
+                        <a:rPr kumimoji="1" lang="ja-JP" altLang="en-US" sz="1600" dirty="0">
                           <a:latin typeface="メイリオ"/>
                           <a:ea typeface="メイリオ"/>
                         </a:rPr>
                         <a:t>･</a:t>
                       </a:r>
                       <a:r>
-                        <a:rPr kumimoji="1" lang="ja-JP" altLang="en-US" sz="1800" dirty="0">
+                        <a:rPr kumimoji="1" lang="ja-JP" altLang="en-US" sz="1600" dirty="0">
                           <a:latin typeface="メイリオ"/>
                           <a:ea typeface="メイリオ"/>
                         </a:rPr>
                         <a:t>館</a:t>
                       </a:r>
-                      <a:endParaRPr kumimoji="1" lang="ja-JP" altLang="en-US" sz="1800" dirty="0">
+                      <a:endParaRPr kumimoji="1" lang="ja-JP" altLang="en-US" sz="1600" dirty="0">
                         <a:latin typeface="メイリオ"/>
                         <a:ea typeface="メイリオ"/>
                       </a:endParaRPr>
@@ -5090,7 +5123,7 @@
                           <a:latin typeface="メイリオ"/>
                           <a:ea typeface="メイリオ"/>
                         </a:rPr>
-                        <a:t>200万円/年</a:t>
+                        <a:t>③200万円/年</a:t>
                       </a:r>
                       <a:r>
                         <a:rPr kumimoji="1" lang="ja-JP" altLang="en-US" sz="1800" dirty="0">
@@ -5155,27 +5188,27 @@
                     <a:p>
                       <a:pPr algn="ctr"/>
                       <a:r>
-                        <a:rPr kumimoji="1" lang="ja-JP" altLang="en-US" sz="1800" dirty="0">
+                        <a:rPr kumimoji="1" lang="ja-JP" altLang="en-US" sz="1600" dirty="0">
                           <a:latin typeface="メイリオ"/>
                           <a:ea typeface="メイリオ"/>
                         </a:rPr>
-                        <a:t>14万円/年</a:t>
+                        <a:t>④14万円/年</a:t>
                       </a:r>
                       <a:r>
-                        <a:rPr kumimoji="1" lang="ja-JP" altLang="en-US" sz="1800" dirty="0">
+                        <a:rPr kumimoji="1" lang="ja-JP" altLang="en-US" sz="1600" dirty="0">
                           <a:latin typeface="メイリオ"/>
                           <a:ea typeface="メイリオ"/>
                         </a:rPr>
                         <a:t>･</a:t>
                       </a:r>
                       <a:r>
-                        <a:rPr kumimoji="1" lang="ja-JP" altLang="en-US" sz="1800" dirty="0">
+                        <a:rPr kumimoji="1" lang="ja-JP" altLang="en-US" sz="1600" dirty="0">
                           <a:latin typeface="メイリオ"/>
                           <a:ea typeface="メイリオ"/>
                         </a:rPr>
                         <a:t>館</a:t>
                       </a:r>
-                      <a:endParaRPr kumimoji="1" lang="ja-JP" altLang="en-US" sz="1800" dirty="0">
+                      <a:endParaRPr kumimoji="1" lang="ja-JP" altLang="en-US" sz="1600" dirty="0">
                         <a:latin typeface="メイリオ"/>
                         <a:ea typeface="メイリオ"/>
                       </a:endParaRPr>
@@ -5194,8 +5227,8 @@
                   </a:tcPr>
                 </a:tc>
               </a:tr>
-              <a:tr h="144769">
-                <a:tc rowSpan="2">
+              <a:tr h="336720">
+                <a:tc rowSpan="3">
                   <a:txBody>
                     <a:bodyPr/>
                     <a:lstStyle/>
@@ -5230,33 +5263,68 @@
                     <a:p>
                       <a:pPr algn="l"/>
                       <a:r>
-                        <a:rPr kumimoji="1" lang="ja-JP" altLang="en-US" sz="1800" dirty="0">
+                        <a:rPr kumimoji="1" lang="ja-JP" altLang="en-US" sz="1600" dirty="0">
                           <a:latin typeface="メイリオ"/>
                           <a:ea typeface="メイリオ"/>
                         </a:rPr>
-                        <a:t>　　　　R5～　全部実施すると306万円/年</a:t>
+                        <a:t>１．導入期（R5～）：</a:t>
                       </a:r>
                       <a:r>
-                        <a:rPr kumimoji="1" lang="ja-JP" altLang="en-US" sz="1800" dirty="0">
+                        <a:rPr kumimoji="1" lang="ja-JP" altLang="en-US" sz="1600" u="sng" dirty="0">
+                          <a:latin typeface="メイリオ"/>
+                          <a:ea typeface="メイリオ"/>
+                        </a:rPr>
+                        <a:t>①</a:t>
+                      </a:r>
+                      <a:r>
+                        <a:rPr kumimoji="1" lang="ja-JP" altLang="en-US" sz="1600" dirty="0">
+                          <a:latin typeface="メイリオ"/>
+                          <a:ea typeface="メイリオ"/>
+                        </a:rPr>
+                        <a:t>＋</a:t>
+                      </a:r>
+                      <a:r>
+                        <a:rPr kumimoji="1" lang="ja-JP" altLang="en-US" sz="1600" u="none" dirty="0">
+                          <a:latin typeface="メイリオ"/>
+                          <a:ea typeface="メイリオ"/>
+                        </a:rPr>
+                        <a:t>②＋③</a:t>
+                      </a:r>
+                      <a:r>
+                        <a:rPr kumimoji="1" lang="ja-JP" altLang="en-US" sz="1600" dirty="0">
+                          <a:latin typeface="メイリオ"/>
+                          <a:ea typeface="メイリオ"/>
+                        </a:rPr>
+                        <a:t>＝370万円/</a:t>
+                      </a:r>
+                      <a:r>
+                        <a:rPr kumimoji="1" lang="ja-JP" altLang="en-US" sz="1600" dirty="0">
+                          <a:latin typeface="メイリオ"/>
+                          <a:ea typeface="メイリオ"/>
+                        </a:rPr>
+                        <a:t>年</a:t>
+                      </a:r>
+                      <a:r>
+                        <a:rPr kumimoji="1" lang="ja-JP" altLang="en-US" sz="1600" dirty="0">
                           <a:latin typeface="メイリオ"/>
                           <a:ea typeface="メイリオ"/>
                         </a:rPr>
                         <a:t>･</a:t>
                       </a:r>
                       <a:r>
-                        <a:rPr kumimoji="1" lang="ja-JP" altLang="en-US" sz="1800" dirty="0">
+                        <a:rPr kumimoji="1" lang="ja-JP" altLang="en-US" sz="1600" dirty="0">
                           <a:latin typeface="メイリオ"/>
                           <a:ea typeface="メイリオ"/>
                         </a:rPr>
-                        <a:t>館（過渡期）</a:t>
+                        <a:t>館（②③追加経費）</a:t>
                       </a:r>
-                      <a:endParaRPr kumimoji="1" lang="ja-JP" altLang="en-US" sz="1800" dirty="0">
+                      <a:endParaRPr kumimoji="1" lang="ja-JP" altLang="en-US" sz="1600" dirty="0">
                         <a:latin typeface="メイリオ"/>
                         <a:ea typeface="メイリオ"/>
                       </a:endParaRPr>
                     </a:p>
                   </a:txBody>
-                  <a:tcPr marL="91440" marR="91440" marT="45720" marB="45720" vert="horz" anchor="ctr" anchorCtr="0">
+                  <a:tcPr marL="91440" marR="91440" marT="0" marB="0" vert="horz" anchor="ctr" anchorCtr="0">
                     <a:lnR w="9525" cap="flat" cmpd="sng" algn="ctr">
                       <a:solidFill>
                         <a:srgbClr val="000000"/>
@@ -5360,7 +5428,7 @@
                     <a:lstStyle/>
                     <a:p>
                       <a:pPr algn="ctr"/>
-                      <a:endParaRPr kumimoji="1" lang="ja-JP" altLang="en-US" sz="1800" dirty="0">
+                      <a:endParaRPr kumimoji="1" lang="ja-JP" altLang="en-US" sz="1600" dirty="0">
                         <a:latin typeface="メイリオ"/>
                         <a:ea typeface="メイリオ"/>
                       </a:endParaRPr>
@@ -5397,7 +5465,7 @@
                   </a:tcPr>
                 </a:tc>
               </a:tr>
-              <a:tr h="222431">
+              <a:tr h="336720">
                 <a:tc vMerge="1">
                   <a:txBody>
                     <a:bodyPr/>
@@ -5426,26 +5494,88 @@
                     <a:p>
                       <a:pPr algn="l"/>
                       <a:r>
-                        <a:rPr kumimoji="1" lang="ja-JP" altLang="en-US" sz="1800" dirty="0">
+                        <a:rPr kumimoji="1" lang="ja-JP" altLang="en-US" sz="1600" dirty="0">
                           <a:latin typeface="メイリオ"/>
                           <a:ea typeface="メイリオ"/>
                         </a:rPr>
-                        <a:t>　　　　R7～　全部実施すると　初期638万円、120万円/年</a:t>
+                        <a:t>２．過渡期（R7～）：</a:t>
                       </a:r>
                       <a:r>
-                        <a:rPr kumimoji="1" lang="ja-JP" altLang="en-US" sz="1800" dirty="0">
+                        <a:rPr kumimoji="1" lang="ja-JP" altLang="en-US" sz="1600" u="sng" dirty="0">
+                          <a:latin typeface="メイリオ"/>
+                          <a:ea typeface="メイリオ"/>
+                        </a:rPr>
+                        <a:t>①</a:t>
+                      </a:r>
+                      <a:r>
+                        <a:rPr kumimoji="1" lang="ja-JP" altLang="en-US" sz="1600" dirty="0">
+                          <a:latin typeface="メイリオ"/>
+                          <a:ea typeface="メイリオ"/>
+                        </a:rPr>
+                        <a:t>＋②＋③＋④＝初期638万円、384万円</a:t>
+                      </a:r>
+                      <a:r>
+                        <a:rPr kumimoji="1" lang="ja-JP" altLang="en-US" sz="1600" dirty="0">
+                          <a:latin typeface="メイリオ"/>
+                          <a:ea typeface="メイリオ"/>
+                        </a:rPr>
+                        <a:t>/</a:t>
+                      </a:r>
+                      <a:r>
+                        <a:rPr kumimoji="1" lang="ja-JP" altLang="en-US" sz="1600" dirty="0">
+                          <a:latin typeface="メイリオ"/>
+                          <a:ea typeface="メイリオ"/>
+                        </a:rPr>
+                        <a:t>年</a:t>
+                      </a:r>
+                      <a:r>
+                        <a:rPr kumimoji="1" lang="ja-JP" altLang="en-US" sz="1600" dirty="0">
                           <a:latin typeface="メイリオ"/>
                           <a:ea typeface="メイリオ"/>
                         </a:rPr>
                         <a:t>･</a:t>
                       </a:r>
                       <a:r>
-                        <a:rPr kumimoji="1" lang="ja-JP" altLang="en-US" sz="1800" dirty="0">
+                        <a:rPr kumimoji="1" lang="ja-JP" altLang="en-US" sz="1600" dirty="0">
                           <a:latin typeface="メイリオ"/>
                           <a:ea typeface="メイリオ"/>
                         </a:rPr>
-                        <a:t>館（無人化）</a:t>
+                        <a:t>館</a:t>
                       </a:r>
+                      <a:endParaRPr kumimoji="1" lang="ja-JP" altLang="en-US" sz="1600" dirty="0">
+                        <a:latin typeface="メイリオ"/>
+                        <a:ea typeface="メイリオ"/>
+                      </a:endParaRPr>
+                    </a:p>
+                  </a:txBody>
+                  <a:tcPr marL="91440" marR="91440" marT="0" marB="0" vert="horz" anchor="ctr" anchorCtr="0">
+                    <a:lnT w="12700" cap="flat" cmpd="sng" algn="ctr">
+                      <a:solidFill>
+                        <a:srgbClr val="000000"/>
+                      </a:solidFill>
+                      <a:prstDash val="solid"/>
+                      <a:round/>
+                      <a:headEnd type="none" w="med" len="med"/>
+                      <a:tailEnd type="none" w="med" len="med"/>
+                    </a:lnT>
+                    <a:lnB w="12700" cap="flat" cmpd="sng" algn="ctr">
+                      <a:solidFill>
+                        <a:srgbClr val="000000"/>
+                      </a:solidFill>
+                      <a:prstDash val="solid"/>
+                      <a:round/>
+                      <a:headEnd type="none" w="med" len="med"/>
+                      <a:tailEnd type="none" w="med" len="med"/>
+                    </a:lnB>
+                    <a:noFill/>
+                  </a:tcPr>
+                </a:tc>
+                <a:tc hMerge="1">
+                  <a:txBody>
+                    <a:bodyPr/>
+                    <a:lstStyle/>
+                    <a:p>
+                      <a:pPr algn="ctr"/>
                       <a:endParaRPr kumimoji="1" lang="ja-JP" altLang="en-US" sz="1800" dirty="0">
                         <a:latin typeface="メイリオ"/>
                         <a:ea typeface="メイリオ"/>
@@ -5453,6 +5583,257 @@
                     </a:p>
                   </a:txBody>
                   <a:tcPr marL="91440" marR="91440" marT="45720" marB="45720" vert="horz" anchor="ctr" anchorCtr="0">
+                    <a:lnL w="9525" cap="flat" cmpd="sng" algn="ctr">
+                      <a:solidFill>
+                        <a:srgbClr val="000000"/>
+                      </a:solidFill>
+                      <a:prstDash val="solid"/>
+                      <a:round/>
+                      <a:headEnd type="none" w="med" len="med"/>
+                      <a:tailEnd type="none" w="med" len="med"/>
+                    </a:lnL>
+                    <a:lnT w="12700" cap="flat" cmpd="sng" algn="ctr">
+                      <a:solidFill>
+                        <a:srgbClr val="000000"/>
+                      </a:solidFill>
+                      <a:prstDash val="solid"/>
+                      <a:round/>
+                      <a:headEnd type="none" w="med" len="med"/>
+                      <a:tailEnd type="none" w="med" len="med"/>
+                    </a:lnT>
+                  </a:tcPr>
+                </a:tc>
+                <a:tc hMerge="1">
+                  <a:txBody>
+                    <a:bodyPr/>
+                    <a:lstStyle/>
+                    <a:p>
+                      <a:pPr algn="ctr"/>
+                      <a:endParaRPr kumimoji="1" lang="ja-JP" altLang="en-US" sz="1800" dirty="0">
+                        <a:latin typeface="メイリオ"/>
+                        <a:ea typeface="メイリオ"/>
+                      </a:endParaRPr>
+                    </a:p>
+                  </a:txBody>
+                  <a:tcPr marL="91440" marR="91440" marT="45720" marB="45720" vert="horz" anchor="ctr" anchorCtr="0">
+                    <a:lnR w="9525" cap="flat" cmpd="sng" algn="ctr">
+                      <a:solidFill>
+                        <a:srgbClr val="000000"/>
+                      </a:solidFill>
+                      <a:prstDash val="solid"/>
+                      <a:round/>
+                      <a:headEnd type="none" w="med" len="med"/>
+                      <a:tailEnd type="none" w="med" len="med"/>
+                    </a:lnR>
+                    <a:lnT w="12700" cap="flat" cmpd="sng" algn="ctr">
+                      <a:solidFill>
+                        <a:srgbClr val="000000"/>
+                      </a:solidFill>
+                      <a:prstDash val="solid"/>
+                      <a:round/>
+                      <a:headEnd type="none" w="med" len="med"/>
+                      <a:tailEnd type="none" w="med" len="med"/>
+                    </a:lnT>
+                  </a:tcPr>
+                </a:tc>
+                <a:tc hMerge="1">
+                  <a:txBody>
+                    <a:bodyPr/>
+                    <a:lstStyle/>
+                    <a:p>
+                      <a:endParaRPr kumimoji="1" lang="ja-JP" altLang="en-US" dirty="0"/>
+                    </a:p>
+                  </a:txBody>
+                  <a:tcPr/>
+                </a:tc>
+                <a:tc hMerge="1">
+                  <a:txBody>
+                    <a:bodyPr/>
+                    <a:lstStyle/>
+                    <a:p>
+                      <a:pPr algn="ctr"/>
+                      <a:endParaRPr kumimoji="1" lang="ja-JP" altLang="en-US" sz="1800" dirty="0">
+                        <a:latin typeface="メイリオ"/>
+                        <a:ea typeface="メイリオ"/>
+                      </a:endParaRPr>
+                    </a:p>
+                  </a:txBody>
+                  <a:tcPr marL="91440" marR="91440" marT="45720" marB="45720" vert="horz" anchor="ctr" anchorCtr="0">
+                    <a:lnL w="9525" cap="flat" cmpd="sng" algn="ctr">
+                      <a:solidFill>
+                        <a:srgbClr val="000000"/>
+                      </a:solidFill>
+                      <a:prstDash val="solid"/>
+                      <a:round/>
+                      <a:headEnd type="none" w="med" len="med"/>
+                      <a:tailEnd type="none" w="med" len="med"/>
+                    </a:lnL>
+                    <a:lnT w="12700" cap="flat" cmpd="sng" algn="ctr">
+                      <a:solidFill>
+                        <a:srgbClr val="000000"/>
+                      </a:solidFill>
+                      <a:prstDash val="solid"/>
+                      <a:round/>
+                      <a:headEnd type="none" w="med" len="med"/>
+                      <a:tailEnd type="none" w="med" len="med"/>
+                    </a:lnT>
+                  </a:tcPr>
+                </a:tc>
+              </a:tr>
+              <a:tr h="336720">
+                <a:tc vMerge="1">
+                  <a:txBody>
+                    <a:bodyPr/>
+                    <a:lstStyle/>
+                    <a:p>
+                      <a:pPr algn="ctr"/>
+                      <a:endParaRPr kumimoji="1" lang="ja-JP" altLang="en-US" sz="1800" dirty="0">
+                        <a:latin typeface="メイリオ"/>
+                        <a:ea typeface="メイリオ"/>
+                      </a:endParaRPr>
+                    </a:p>
+                  </a:txBody>
+                  <a:tcPr marL="91440" marR="91440" marT="45720" marB="45720" vert="horz" anchor="ctr" anchorCtr="0">
+                    <a:solidFill>
+                      <a:schemeClr val="accent2">
+                        <a:lumMod val="20000"/>
+                        <a:lumOff val="80000"/>
+                      </a:schemeClr>
+                    </a:solidFill>
+                  </a:tcPr>
+                </a:tc>
+                <a:tc gridSpan="5">
+                  <a:txBody>
+                    <a:bodyPr/>
+                    <a:lstStyle/>
+                    <a:p>
+                      <a:pPr algn="l"/>
+                      <a:r>
+                        <a:rPr kumimoji="1" lang="ja-JP" altLang="en-US" sz="1600" dirty="0">
+                          <a:latin typeface="メイリオ"/>
+                          <a:ea typeface="メイリオ"/>
+                        </a:rPr>
+                        <a:t>３．無人化（R8？）：</a:t>
+                      </a:r>
+                      <a:r>
+                        <a:rPr kumimoji="1" lang="ja-JP" altLang="en-US" sz="1600" u="sng" dirty="0">
+                          <a:latin typeface="メイリオ"/>
+                          <a:ea typeface="メイリオ"/>
+                        </a:rPr>
+                        <a:t>①</a:t>
+                      </a:r>
+                      <a:r>
+                        <a:rPr kumimoji="1" lang="ja-JP" altLang="en-US" sz="1600" dirty="0">
+                          <a:latin typeface="メイリオ"/>
+                          <a:ea typeface="メイリオ"/>
+                        </a:rPr>
+                        <a:t>＋②　　＋④＝184万円</a:t>
+                      </a:r>
+                      <a:r>
+                        <a:rPr kumimoji="1" lang="ja-JP" altLang="en-US" sz="1600" dirty="0">
+                          <a:latin typeface="メイリオ"/>
+                          <a:ea typeface="メイリオ"/>
+                        </a:rPr>
+                        <a:t/>
+                      </a:r>
+                      <a:r>
+                        <a:rPr kumimoji="1" lang="ja-JP" altLang="en-US" sz="1600" dirty="0">
+                          <a:latin typeface="メイリオ"/>
+                          <a:ea typeface="メイリオ"/>
+                        </a:rPr>
+                        <a:t>/</a:t>
+                      </a:r>
+                      <a:r>
+                        <a:rPr kumimoji="1" lang="ja-JP" altLang="en-US" sz="1600" dirty="0">
+                          <a:latin typeface="メイリオ"/>
+                          <a:ea typeface="メイリオ"/>
+                        </a:rPr>
+                        <a:t>年</a:t>
+                      </a:r>
+                      <a:r>
+                        <a:rPr kumimoji="1" lang="ja-JP" altLang="en-US" sz="1600" dirty="0">
+                          <a:latin typeface="メイリオ"/>
+                          <a:ea typeface="メイリオ"/>
+                        </a:rPr>
+                        <a:t>･</a:t>
+                      </a:r>
+                      <a:r>
+                        <a:rPr kumimoji="1" lang="ja-JP" altLang="en-US" sz="1600" dirty="0">
+                          <a:latin typeface="メイリオ"/>
+                          <a:ea typeface="メイリオ"/>
+                        </a:rPr>
+                        <a:t>館（現行</a:t>
+                      </a:r>
+                      <a:r>
+                        <a:rPr kumimoji="1" lang="ja-JP" altLang="en-US" sz="1600" u="sng" dirty="0">
+                          <a:latin typeface="メイリオ"/>
+                          <a:ea typeface="メイリオ"/>
+                        </a:rPr>
+                        <a:t>①</a:t>
+                      </a:r>
+                      <a:r>
+                        <a:rPr kumimoji="1" lang="ja-JP" altLang="en-US" sz="1600" dirty="0">
+                          <a:latin typeface="メイリオ"/>
+                          <a:ea typeface="メイリオ"/>
+                        </a:rPr>
+                        <a:t>＋</a:t>
+                      </a:r>
+                      <a:r>
+                        <a:rPr kumimoji="1" lang="ja-JP" altLang="en-US" sz="1600" u="sng" dirty="0">
+                          <a:latin typeface="メイリオ"/>
+                          <a:ea typeface="メイリオ"/>
+                        </a:rPr>
+                        <a:t>㋐</a:t>
+                      </a:r>
+                      <a:r>
+                        <a:rPr kumimoji="1" lang="ja-JP" altLang="en-US" sz="1600" dirty="0">
+                          <a:latin typeface="メイリオ"/>
+                          <a:ea typeface="メイリオ"/>
+                        </a:rPr>
+                        <a:t>＝250万円</a:t>
+                      </a:r>
+                      <a:r>
+                        <a:rPr kumimoji="1" lang="ja-JP" altLang="en-US" sz="1600" dirty="0">
+                          <a:latin typeface="メイリオ"/>
+                          <a:ea typeface="メイリオ"/>
+                        </a:rPr>
+                        <a:t/>
+                      </a:r>
+                      <a:r>
+                        <a:rPr kumimoji="1" lang="ja-JP" altLang="en-US" sz="1600" dirty="0">
+                          <a:latin typeface="メイリオ"/>
+                          <a:ea typeface="メイリオ"/>
+                        </a:rPr>
+                        <a:t>/</a:t>
+                      </a:r>
+                      <a:r>
+                        <a:rPr kumimoji="1" lang="ja-JP" altLang="en-US" sz="1600" dirty="0">
+                          <a:latin typeface="メイリオ"/>
+                          <a:ea typeface="メイリオ"/>
+                        </a:rPr>
+                        <a:t>年</a:t>
+                      </a:r>
+                      <a:r>
+                        <a:rPr kumimoji="1" lang="ja-JP" altLang="en-US" sz="1600" dirty="0">
+                          <a:latin typeface="メイリオ"/>
+                          <a:ea typeface="メイリオ"/>
+                        </a:rPr>
+                        <a:t>･</a:t>
+                      </a:r>
+                      <a:r>
+                        <a:rPr kumimoji="1" lang="ja-JP" altLang="en-US" sz="1600" dirty="0">
+                          <a:latin typeface="メイリオ"/>
+                          <a:ea typeface="メイリオ"/>
+                        </a:rPr>
+                        <a:t>館）</a:t>
+                      </a:r>
+                      <a:endParaRPr kumimoji="1" lang="ja-JP" altLang="en-US" sz="1600" dirty="0">
+                        <a:latin typeface="メイリオ"/>
+                        <a:ea typeface="メイリオ"/>
+                      </a:endParaRPr>
+                    </a:p>
+                  </a:txBody>
+                  <a:tcPr marL="91440" marR="91440" marT="0" marB="0" vert="horz" anchor="ctr" anchorCtr="0">
                     <a:lnT w="12700" cap="flat" cmpd="sng" algn="ctr">
                       <a:solidFill>
                         <a:srgbClr val="000000"/>
@@ -5737,7 +6118,7 @@
         </p:nvGrpSpPr>
         <p:grpSpPr>
           <a:xfrm>
-            <a:off x="2484000" y="1800872"/>
+            <a:off x="2484000" y="1773797"/>
             <a:ext cx="1638141" cy="900907"/>
             <a:chOff x="2484000" y="1923750"/>
             <a:chExt cx="1638141" cy="900907"/>
@@ -5809,7 +6190,7 @@
         <p:spPr>
           <a:xfrm>
             <a:off x="4261086" y="774235"/>
-            <a:ext cx="1439102" cy="941368"/>
+            <a:ext cx="1266824" cy="828675"/>
           </a:xfrm>
           <a:prstGeom prst="rect">
             <a:avLst/>
@@ -5833,7 +6214,7 @@
         <p:spPr>
           <a:xfrm>
             <a:off x="4261086" y="1776496"/>
-            <a:ext cx="1421511" cy="925449"/>
+            <a:ext cx="1269205" cy="826294"/>
           </a:xfrm>
           <a:prstGeom prst="rect">
             <a:avLst/>
@@ -5973,8 +6354,8 @@
         </p:blipFill>
         <p:spPr>
           <a:xfrm>
-            <a:off x="7502111" y="2837862"/>
-            <a:ext cx="669889" cy="669888"/>
+            <a:off x="7571665" y="2772456"/>
+            <a:ext cx="547838" cy="547837"/>
           </a:xfrm>
           <a:prstGeom prst="rect">
             <a:avLst/>
@@ -5997,8 +6378,8 @@
         </p:blipFill>
         <p:spPr>
           <a:xfrm>
-            <a:off x="8260502" y="2781785"/>
-            <a:ext cx="862414" cy="862413"/>
+            <a:off x="8390808" y="2715750"/>
+            <a:ext cx="705286" cy="705285"/>
           </a:xfrm>
           <a:prstGeom prst="rect">
             <a:avLst/>
@@ -6021,8 +6402,8 @@
         </p:blipFill>
         <p:spPr>
           <a:xfrm>
-            <a:off x="7782873" y="3139047"/>
-            <a:ext cx="533127" cy="605825"/>
+            <a:off x="7852251" y="3003750"/>
+            <a:ext cx="435993" cy="495446"/>
           </a:xfrm>
           <a:prstGeom prst="rect">
             <a:avLst/>
@@ -6031,125 +6412,13 @@
       </p:pic>
       <p:sp>
         <p:nvSpPr>
-          <p:cNvPr id="1133" name="図形 58"/>
-          <p:cNvSpPr/>
-          <p:nvPr/>
-        </p:nvSpPr>
-        <p:spPr>
-          <a:xfrm flipV="1">
-            <a:off x="5294451" y="2617605"/>
-            <a:ext cx="2229626" cy="453925"/>
-          </a:xfrm>
-          <a:prstGeom prst="bentArrow">
-            <a:avLst>
-              <a:gd name="adj1" fmla="val 30263"/>
-              <a:gd name="adj2" fmla="val 25000"/>
-              <a:gd name="adj3" fmla="val 25000"/>
-              <a:gd name="adj4" fmla="val 43750"/>
-            </a:avLst>
-          </a:prstGeom>
-          <a:solidFill>
-            <a:schemeClr val="accent3"/>
-          </a:solidFill>
-          <a:ln w="19050" cap="flat" cmpd="sng" algn="ctr">
-            <a:solidFill>
-              <a:srgbClr val="FF0000"/>
-            </a:solidFill>
-            <a:prstDash val="solid"/>
-            <a:miter lim="800000"/>
-          </a:ln>
-        </p:spPr>
-        <p:style>
-          <a:lnRef idx="2">
-            <a:schemeClr val="accent1">
-              <a:shade val="50000"/>
-            </a:schemeClr>
-          </a:lnRef>
-          <a:fillRef idx="1">
-            <a:schemeClr val="accent1"/>
-          </a:fillRef>
-          <a:effectRef idx="0">
-            <a:schemeClr val="accent1"/>
-          </a:effectRef>
-          <a:fontRef idx="minor">
-            <a:schemeClr val="lt1"/>
-          </a:fontRef>
-        </p:style>
-        <p:txBody>
-          <a:bodyPr anchor="ctr"/>
-          <a:p>
-            <a:pPr algn="ctr">
-              <a:defRPr lang="ja-JP" altLang="en-US"/>
-            </a:pPr>
-            <a:endParaRPr lang="ja-JP" altLang="en-US"/>
-          </a:p>
-        </p:txBody>
-      </p:sp>
-      <p:sp>
-        <p:nvSpPr>
-          <p:cNvPr id="1134" name="図形 59"/>
-          <p:cNvSpPr/>
-          <p:nvPr/>
-        </p:nvSpPr>
-        <p:spPr>
-          <a:xfrm flipV="1">
-            <a:off x="6585560" y="2617605"/>
-            <a:ext cx="938571" cy="455455"/>
-          </a:xfrm>
-          <a:prstGeom prst="bentArrow">
-            <a:avLst>
-              <a:gd name="adj1" fmla="val 30263"/>
-              <a:gd name="adj2" fmla="val 25000"/>
-              <a:gd name="adj3" fmla="val 25000"/>
-              <a:gd name="adj4" fmla="val 43750"/>
-            </a:avLst>
-          </a:prstGeom>
-          <a:solidFill>
-            <a:schemeClr val="accent3"/>
-          </a:solidFill>
-          <a:ln w="19050" cap="flat" cmpd="sng" algn="ctr">
-            <a:solidFill>
-              <a:srgbClr val="FF0000"/>
-            </a:solidFill>
-            <a:prstDash val="solid"/>
-            <a:miter lim="800000"/>
-          </a:ln>
-        </p:spPr>
-        <p:style>
-          <a:lnRef idx="2">
-            <a:schemeClr val="accent1">
-              <a:shade val="50000"/>
-            </a:schemeClr>
-          </a:lnRef>
-          <a:fillRef idx="1">
-            <a:schemeClr val="accent1"/>
-          </a:fillRef>
-          <a:effectRef idx="0">
-            <a:schemeClr val="accent1"/>
-          </a:effectRef>
-          <a:fontRef idx="minor">
-            <a:schemeClr val="lt1"/>
-          </a:fontRef>
-        </p:style>
-        <p:txBody>
-          <a:bodyPr anchor="ctr"/>
-          <a:p>
-            <a:pPr algn="ctr">
-              <a:defRPr lang="ja-JP" altLang="en-US"/>
-            </a:pPr>
-            <a:endParaRPr lang="ja-JP" altLang="en-US"/>
-          </a:p>
-        </p:txBody>
-      </p:sp>
-      <p:sp>
-        <p:nvSpPr>
-          <p:cNvPr id="1135" name="テキスト 60"/>
+          <p:cNvPr id="1133" name="テキスト 60"/>
           <p:cNvSpPr txBox="1"/>
           <p:nvPr/>
         </p:nvSpPr>
         <p:spPr>
           <a:xfrm>
-            <a:off x="5244940" y="2388176"/>
+            <a:off x="5076000" y="2388176"/>
             <a:ext cx="479060" cy="195111"/>
           </a:xfrm>
           <a:prstGeom prst="rect">
@@ -6188,7 +6457,7 @@
       </p:sp>
       <p:sp>
         <p:nvSpPr>
-          <p:cNvPr id="1136" name="テキスト 61"/>
+          <p:cNvPr id="1134" name="テキスト 61"/>
           <p:cNvSpPr txBox="1"/>
           <p:nvPr/>
         </p:nvSpPr>
@@ -6233,7 +6502,7 @@
       </p:sp>
       <p:sp>
         <p:nvSpPr>
-          <p:cNvPr id="1137" name="テキスト 62"/>
+          <p:cNvPr id="1135" name="テキスト 62"/>
           <p:cNvSpPr txBox="1"/>
           <p:nvPr/>
         </p:nvSpPr>
@@ -6278,7 +6547,7 @@
       </p:sp>
       <p:sp>
         <p:nvSpPr>
-          <p:cNvPr id="1138" name="テキスト 63"/>
+          <p:cNvPr id="1136" name="テキスト 63"/>
           <p:cNvSpPr txBox="1"/>
           <p:nvPr/>
         </p:nvSpPr>
@@ -6323,13 +6592,13 @@
       </p:sp>
       <p:sp>
         <p:nvSpPr>
-          <p:cNvPr id="1139" name="テキスト 64"/>
+          <p:cNvPr id="1137" name="テキスト 64"/>
           <p:cNvSpPr txBox="1"/>
           <p:nvPr/>
         </p:nvSpPr>
         <p:spPr>
           <a:xfrm>
-            <a:off x="4752106" y="1487317"/>
+            <a:off x="4871128" y="1487317"/>
             <a:ext cx="747625" cy="195111"/>
           </a:xfrm>
           <a:prstGeom prst="rect">
@@ -6368,13 +6637,13 @@
       </p:sp>
       <p:sp>
         <p:nvSpPr>
-          <p:cNvPr id="1140" name="テキスト 65"/>
+          <p:cNvPr id="1138" name="テキスト 65"/>
           <p:cNvSpPr txBox="1"/>
           <p:nvPr/>
         </p:nvSpPr>
         <p:spPr>
           <a:xfrm>
-            <a:off x="6474474" y="1487317"/>
+            <a:off x="6681033" y="1487317"/>
             <a:ext cx="747625" cy="195111"/>
           </a:xfrm>
           <a:prstGeom prst="rect">
@@ -6413,7 +6682,7 @@
       </p:sp>
       <p:sp>
         <p:nvSpPr>
-          <p:cNvPr id="1141" name="テキスト 66"/>
+          <p:cNvPr id="1139" name="テキスト 66"/>
           <p:cNvSpPr txBox="1"/>
           <p:nvPr/>
         </p:nvSpPr>
@@ -6458,13 +6727,13 @@
       </p:sp>
       <p:sp>
         <p:nvSpPr>
-          <p:cNvPr id="1142" name="テキスト 67"/>
+          <p:cNvPr id="1140" name="テキスト 67"/>
           <p:cNvSpPr txBox="1"/>
           <p:nvPr/>
         </p:nvSpPr>
         <p:spPr>
           <a:xfrm>
-            <a:off x="4764188" y="2388176"/>
+            <a:off x="4682098" y="2388176"/>
             <a:ext cx="321902" cy="195111"/>
           </a:xfrm>
           <a:prstGeom prst="rect">
@@ -6503,7 +6772,7 @@
       </p:sp>
       <p:sp>
         <p:nvSpPr>
-          <p:cNvPr id="1143" name="図形 43"/>
+          <p:cNvPr id="1141" name="図形 43"/>
           <p:cNvSpPr/>
           <p:nvPr/>
         </p:nvSpPr>
@@ -6557,13 +6826,13 @@
       </p:sp>
       <p:sp>
         <p:nvSpPr>
-          <p:cNvPr id="1144" name="図形 48"/>
+          <p:cNvPr id="1142" name="図形 48"/>
           <p:cNvSpPr/>
           <p:nvPr/>
         </p:nvSpPr>
         <p:spPr>
           <a:xfrm>
-            <a:off x="5292000" y="1651040"/>
+            <a:off x="5141075" y="1673442"/>
             <a:ext cx="207731" cy="200710"/>
           </a:xfrm>
           <a:prstGeom prst="downArrow">
@@ -6611,19 +6880,131 @@
       </p:sp>
       <p:sp>
         <p:nvSpPr>
-          <p:cNvPr id="1145" name="図形 49"/>
+          <p:cNvPr id="1143" name="図形 49"/>
           <p:cNvSpPr/>
           <p:nvPr/>
         </p:nvSpPr>
         <p:spPr>
           <a:xfrm>
-            <a:off x="6509695" y="1651040"/>
+            <a:off x="6949265" y="1661313"/>
             <a:ext cx="207731" cy="200710"/>
           </a:xfrm>
           <a:prstGeom prst="downArrow">
             <a:avLst>
               <a:gd name="adj1" fmla="val 50000"/>
               <a:gd name="adj2" fmla="val 31507"/>
+            </a:avLst>
+          </a:prstGeom>
+          <a:solidFill>
+            <a:schemeClr val="accent3"/>
+          </a:solidFill>
+          <a:ln w="19050" cap="flat" cmpd="sng" algn="ctr">
+            <a:solidFill>
+              <a:srgbClr val="FF0000"/>
+            </a:solidFill>
+            <a:prstDash val="solid"/>
+            <a:miter lim="800000"/>
+          </a:ln>
+        </p:spPr>
+        <p:style>
+          <a:lnRef idx="2">
+            <a:schemeClr val="accent1">
+              <a:shade val="50000"/>
+            </a:schemeClr>
+          </a:lnRef>
+          <a:fillRef idx="1">
+            <a:schemeClr val="accent1"/>
+          </a:fillRef>
+          <a:effectRef idx="0">
+            <a:schemeClr val="accent1"/>
+          </a:effectRef>
+          <a:fontRef idx="minor">
+            <a:schemeClr val="lt1"/>
+          </a:fontRef>
+        </p:style>
+        <p:txBody>
+          <a:bodyPr anchor="ctr"/>
+          <a:p>
+            <a:pPr algn="ctr">
+              <a:defRPr lang="ja-JP" altLang="en-US"/>
+            </a:pPr>
+            <a:endParaRPr lang="ja-JP" altLang="en-US"/>
+          </a:p>
+        </p:txBody>
+      </p:sp>
+      <p:sp>
+        <p:nvSpPr>
+          <p:cNvPr id="1144" name="図形 58"/>
+          <p:cNvSpPr/>
+          <p:nvPr/>
+        </p:nvSpPr>
+        <p:spPr>
+          <a:xfrm flipV="1">
+            <a:off x="5221474" y="3250427"/>
+            <a:ext cx="2379946" cy="203335"/>
+          </a:xfrm>
+          <a:prstGeom prst="bentArrow">
+            <a:avLst>
+              <a:gd name="adj1" fmla="val 30263"/>
+              <a:gd name="adj2" fmla="val 25000"/>
+              <a:gd name="adj3" fmla="val 25000"/>
+              <a:gd name="adj4" fmla="val 43750"/>
+            </a:avLst>
+          </a:prstGeom>
+          <a:solidFill>
+            <a:schemeClr val="accent3"/>
+          </a:solidFill>
+          <a:ln w="19050" cap="flat" cmpd="sng" algn="ctr">
+            <a:solidFill>
+              <a:srgbClr val="FF0000"/>
+            </a:solidFill>
+            <a:prstDash val="solid"/>
+            <a:miter lim="800000"/>
+          </a:ln>
+        </p:spPr>
+        <p:style>
+          <a:lnRef idx="2">
+            <a:schemeClr val="accent1">
+              <a:shade val="50000"/>
+            </a:schemeClr>
+          </a:lnRef>
+          <a:fillRef idx="1">
+            <a:schemeClr val="accent1"/>
+          </a:fillRef>
+          <a:effectRef idx="0">
+            <a:schemeClr val="accent1"/>
+          </a:effectRef>
+          <a:fontRef idx="minor">
+            <a:schemeClr val="lt1"/>
+          </a:fontRef>
+        </p:style>
+        <p:txBody>
+          <a:bodyPr anchor="ctr"/>
+          <a:p>
+            <a:pPr algn="ctr">
+              <a:defRPr lang="ja-JP" altLang="en-US"/>
+            </a:pPr>
+            <a:endParaRPr lang="ja-JP" altLang="en-US"/>
+          </a:p>
+        </p:txBody>
+      </p:sp>
+      <p:sp>
+        <p:nvSpPr>
+          <p:cNvPr id="1145" name="図形 59"/>
+          <p:cNvSpPr/>
+          <p:nvPr/>
+        </p:nvSpPr>
+        <p:spPr>
+          <a:xfrm flipV="1">
+            <a:off x="6949265" y="3250427"/>
+            <a:ext cx="646793" cy="204020"/>
+          </a:xfrm>
+          <a:prstGeom prst="bentArrow">
+            <a:avLst>
+              <a:gd name="adj1" fmla="val 30263"/>
+              <a:gd name="adj2" fmla="val 25000"/>
+              <a:gd name="adj3" fmla="val 25000"/>
+              <a:gd name="adj4" fmla="val 43750"/>
             </a:avLst>
           </a:prstGeom>
           <a:solidFill>
